--- a/Проверка множества точек.pptx
+++ b/Проверка множества точек.pptx
@@ -8,8 +8,8 @@
     <p:sldId id="256" r:id="rId2"/>
     <p:sldId id="257" r:id="rId3"/>
     <p:sldId id="258" r:id="rId4"/>
-    <p:sldId id="259" r:id="rId5"/>
-    <p:sldId id="260" r:id="rId6"/>
+    <p:sldId id="260" r:id="rId5"/>
+    <p:sldId id="259" r:id="rId6"/>
     <p:sldId id="261" r:id="rId7"/>
     <p:sldId id="262" r:id="rId8"/>
     <p:sldId id="263" r:id="rId9"/>
@@ -6289,6 +6289,13 @@
   <p:clrMapOvr>
     <a:masterClrMapping/>
   </p:clrMapOvr>
+  <p:timing>
+    <p:tnLst>
+      <p:par>
+        <p:cTn id="1" dur="indefinite" restart="never" nodeType="tmRoot"/>
+      </p:par>
+    </p:tnLst>
+  </p:timing>
 </p:sld>
 </file>
 
@@ -6367,6 +6374,15 @@
                 <a:cs typeface="Times New Roman" panose="02020603050405020304" pitchFamily="18" charset="0"/>
               </a:rPr>
               <a:t>Придумывание алгоритма решения задачи</a:t>
+            </a:r>
+          </a:p>
+          <a:p>
+            <a:r>
+              <a:rPr lang="ru-RU" sz="2000" dirty="0" smtClean="0">
+                <a:latin typeface="Times New Roman" panose="02020603050405020304" pitchFamily="18" charset="0"/>
+                <a:cs typeface="Times New Roman" panose="02020603050405020304" pitchFamily="18" charset="0"/>
+              </a:rPr>
+              <a:t>Стирание линий</a:t>
             </a:r>
           </a:p>
           <a:p>
@@ -6666,6 +6682,28 @@
           </a:p>
           <a:p>
             <a:r>
+              <a:rPr lang="ru-RU" sz="2100" dirty="0">
+                <a:latin typeface="Times New Roman" panose="02020603050405020304" pitchFamily="18" charset="0"/>
+                <a:cs typeface="Times New Roman" panose="02020603050405020304" pitchFamily="18" charset="0"/>
+                <a:hlinkClick r:id="rId3" action="ppaction://hlinksldjump"/>
+              </a:rPr>
+              <a:t>Графическое изображение </a:t>
+            </a:r>
+            <a:r>
+              <a:rPr lang="ru-RU" sz="2100" dirty="0" smtClean="0">
+                <a:latin typeface="Times New Roman" panose="02020603050405020304" pitchFamily="18" charset="0"/>
+                <a:cs typeface="Times New Roman" panose="02020603050405020304" pitchFamily="18" charset="0"/>
+                <a:hlinkClick r:id="rId3" action="ppaction://hlinksldjump"/>
+              </a:rPr>
+              <a:t>задачи</a:t>
+            </a:r>
+            <a:endParaRPr lang="ru-RU" sz="2100" dirty="0" smtClean="0">
+              <a:latin typeface="Times New Roman" panose="02020603050405020304" pitchFamily="18" charset="0"/>
+              <a:cs typeface="Times New Roman" panose="02020603050405020304" pitchFamily="18" charset="0"/>
+            </a:endParaRPr>
+          </a:p>
+          <a:p>
+            <a:r>
               <a:rPr lang="ru-RU" sz="2100" dirty="0" smtClean="0">
                 <a:latin typeface="Times New Roman" panose="02020603050405020304" pitchFamily="18" charset="0"/>
                 <a:cs typeface="Times New Roman" panose="02020603050405020304" pitchFamily="18" charset="0"/>
@@ -6685,7 +6723,7 @@
                 <a:cs typeface="Times New Roman" panose="02020603050405020304" pitchFamily="18" charset="0"/>
                 <a:hlinkClick r:id="rId4" action="ppaction://hlinksldjump"/>
               </a:rPr>
-              <a:t>Графическое изображение задачи</a:t>
+              <a:t>Математическая модель</a:t>
             </a:r>
             <a:endParaRPr lang="ru-RU" sz="2100" dirty="0" smtClean="0">
               <a:latin typeface="Times New Roman" panose="02020603050405020304" pitchFamily="18" charset="0"/>
@@ -6699,7 +6737,7 @@
                 <a:cs typeface="Times New Roman" panose="02020603050405020304" pitchFamily="18" charset="0"/>
                 <a:hlinkClick r:id="rId5" action="ppaction://hlinksldjump"/>
               </a:rPr>
-              <a:t>Математическая модель</a:t>
+              <a:t>Структура данных</a:t>
             </a:r>
             <a:endParaRPr lang="ru-RU" sz="2100" dirty="0" smtClean="0">
               <a:latin typeface="Times New Roman" panose="02020603050405020304" pitchFamily="18" charset="0"/>
@@ -6713,7 +6751,7 @@
                 <a:cs typeface="Times New Roman" panose="02020603050405020304" pitchFamily="18" charset="0"/>
                 <a:hlinkClick r:id="rId6" action="ppaction://hlinksldjump"/>
               </a:rPr>
-              <a:t>Структура данных</a:t>
+              <a:t>Метод решения</a:t>
             </a:r>
             <a:endParaRPr lang="ru-RU" sz="2100" dirty="0" smtClean="0">
               <a:latin typeface="Times New Roman" panose="02020603050405020304" pitchFamily="18" charset="0"/>
@@ -6726,20 +6764,6 @@
                 <a:latin typeface="Times New Roman" panose="02020603050405020304" pitchFamily="18" charset="0"/>
                 <a:cs typeface="Times New Roman" panose="02020603050405020304" pitchFamily="18" charset="0"/>
                 <a:hlinkClick r:id="rId7" action="ppaction://hlinksldjump"/>
-              </a:rPr>
-              <a:t>Метод решения</a:t>
-            </a:r>
-            <a:endParaRPr lang="ru-RU" sz="2100" dirty="0" smtClean="0">
-              <a:latin typeface="Times New Roman" panose="02020603050405020304" pitchFamily="18" charset="0"/>
-              <a:cs typeface="Times New Roman" panose="02020603050405020304" pitchFamily="18" charset="0"/>
-            </a:endParaRPr>
-          </a:p>
-          <a:p>
-            <a:r>
-              <a:rPr lang="ru-RU" sz="2100" dirty="0" smtClean="0">
-                <a:latin typeface="Times New Roman" panose="02020603050405020304" pitchFamily="18" charset="0"/>
-                <a:cs typeface="Times New Roman" panose="02020603050405020304" pitchFamily="18" charset="0"/>
-                <a:hlinkClick r:id="rId8" action="ppaction://hlinksldjump"/>
               </a:rPr>
               <a:t>Пример работы программы</a:t>
             </a:r>
@@ -6882,144 +6906,6 @@
 </file>
 
 <file path=ppt/slides/slide4.xml><?xml version="1.0" encoding="utf-8"?>
-<p:sld xmlns:a="http://schemas.openxmlformats.org/drawingml/2006/main" xmlns:r="http://schemas.openxmlformats.org/officeDocument/2006/relationships" xmlns:p="http://schemas.openxmlformats.org/presentationml/2006/main">
-  <p:cSld>
-    <p:spTree>
-      <p:nvGrpSpPr>
-        <p:cNvPr id="1" name=""/>
-        <p:cNvGrpSpPr/>
-        <p:nvPr/>
-      </p:nvGrpSpPr>
-      <p:grpSpPr>
-        <a:xfrm>
-          <a:off x="0" y="0"/>
-          <a:ext cx="0" cy="0"/>
-          <a:chOff x="0" y="0"/>
-          <a:chExt cx="0" cy="0"/>
-        </a:xfrm>
-      </p:grpSpPr>
-      <p:sp>
-        <p:nvSpPr>
-          <p:cNvPr id="2" name="Заголовок 1"/>
-          <p:cNvSpPr>
-            <a:spLocks noGrp="1"/>
-          </p:cNvSpPr>
-          <p:nvPr>
-            <p:ph type="title"/>
-          </p:nvPr>
-        </p:nvSpPr>
-        <p:spPr/>
-        <p:txBody>
-          <a:bodyPr/>
-          <a:lstStyle/>
-          <a:p>
-            <a:pPr algn="l"/>
-            <a:r>
-              <a:rPr lang="ru-RU" dirty="0" smtClean="0">
-                <a:latin typeface="Times New Roman" panose="02020603050405020304" pitchFamily="18" charset="0"/>
-                <a:cs typeface="Times New Roman" panose="02020603050405020304" pitchFamily="18" charset="0"/>
-              </a:rPr>
-              <a:t>Входные и выходные данные</a:t>
-            </a:r>
-            <a:endParaRPr lang="ru-RU" dirty="0">
-              <a:latin typeface="Times New Roman" panose="02020603050405020304" pitchFamily="18" charset="0"/>
-              <a:cs typeface="Times New Roman" panose="02020603050405020304" pitchFamily="18" charset="0"/>
-            </a:endParaRPr>
-          </a:p>
-        </p:txBody>
-      </p:sp>
-      <p:sp>
-        <p:nvSpPr>
-          <p:cNvPr id="3" name="Объект 2"/>
-          <p:cNvSpPr>
-            <a:spLocks noGrp="1"/>
-          </p:cNvSpPr>
-          <p:nvPr>
-            <p:ph idx="1"/>
-          </p:nvPr>
-        </p:nvSpPr>
-        <p:spPr>
-          <a:xfrm>
-            <a:off x="1484311" y="1833092"/>
-            <a:ext cx="10018713" cy="2502795"/>
-          </a:xfrm>
-        </p:spPr>
-        <p:txBody>
-          <a:bodyPr/>
-          <a:lstStyle/>
-          <a:p>
-            <a:r>
-              <a:rPr lang="ru-RU" b="1" dirty="0" smtClean="0">
-                <a:latin typeface="Times New Roman" panose="02020603050405020304" pitchFamily="18" charset="0"/>
-                <a:cs typeface="Times New Roman" panose="02020603050405020304" pitchFamily="18" charset="0"/>
-              </a:rPr>
-              <a:t>Входные данные</a:t>
-            </a:r>
-            <a:br>
-              <a:rPr lang="ru-RU" b="1" dirty="0" smtClean="0">
-                <a:latin typeface="Times New Roman" panose="02020603050405020304" pitchFamily="18" charset="0"/>
-                <a:cs typeface="Times New Roman" panose="02020603050405020304" pitchFamily="18" charset="0"/>
-              </a:rPr>
-            </a:br>
-            <a:r>
-              <a:rPr lang="ru-RU" sz="2000" dirty="0" smtClean="0">
-                <a:latin typeface="Times New Roman" panose="02020603050405020304" pitchFamily="18" charset="0"/>
-                <a:cs typeface="Times New Roman" panose="02020603050405020304" pitchFamily="18" charset="0"/>
-              </a:rPr>
-              <a:t>Количество точек и их координаты.</a:t>
-            </a:r>
-          </a:p>
-          <a:p>
-            <a:r>
-              <a:rPr lang="ru-RU" b="1" dirty="0" smtClean="0">
-                <a:latin typeface="Times New Roman" panose="02020603050405020304" pitchFamily="18" charset="0"/>
-                <a:cs typeface="Times New Roman" panose="02020603050405020304" pitchFamily="18" charset="0"/>
-              </a:rPr>
-              <a:t>Выходные данные</a:t>
-            </a:r>
-            <a:br>
-              <a:rPr lang="ru-RU" b="1" dirty="0" smtClean="0">
-                <a:latin typeface="Times New Roman" panose="02020603050405020304" pitchFamily="18" charset="0"/>
-                <a:cs typeface="Times New Roman" panose="02020603050405020304" pitchFamily="18" charset="0"/>
-              </a:rPr>
-            </a:br>
-            <a:r>
-              <a:rPr lang="ru-RU" sz="2000" dirty="0" smtClean="0">
-                <a:latin typeface="Times New Roman" panose="02020603050405020304" pitchFamily="18" charset="0"/>
-                <a:cs typeface="Times New Roman" panose="02020603050405020304" pitchFamily="18" charset="0"/>
-              </a:rPr>
-              <a:t>Ответ на вопрос: «Является ли множество регулярным?»</a:t>
-            </a:r>
-          </a:p>
-          <a:p>
-            <a:endParaRPr lang="ru-RU" sz="2100" dirty="0">
-              <a:latin typeface="Times New Roman" panose="02020603050405020304" pitchFamily="18" charset="0"/>
-              <a:cs typeface="Times New Roman" panose="02020603050405020304" pitchFamily="18" charset="0"/>
-            </a:endParaRPr>
-          </a:p>
-        </p:txBody>
-      </p:sp>
-    </p:spTree>
-    <p:extLst>
-      <p:ext uri="{BB962C8B-B14F-4D97-AF65-F5344CB8AC3E}">
-        <p14:creationId xmlns:p14="http://schemas.microsoft.com/office/powerpoint/2010/main" val="2897613371"/>
-      </p:ext>
-    </p:extLst>
-  </p:cSld>
-  <p:clrMapOvr>
-    <a:masterClrMapping/>
-  </p:clrMapOvr>
-  <p:timing>
-    <p:tnLst>
-      <p:par>
-        <p:cTn id="1" dur="indefinite" restart="never" nodeType="tmRoot"/>
-      </p:par>
-    </p:tnLst>
-  </p:timing>
-</p:sld>
-</file>
-
-<file path=ppt/slides/slide5.xml><?xml version="1.0" encoding="utf-8"?>
 <p:sld xmlns:a="http://schemas.openxmlformats.org/drawingml/2006/main" xmlns:r="http://schemas.openxmlformats.org/officeDocument/2006/relationships" xmlns:p="http://schemas.openxmlformats.org/presentationml/2006/main">
   <p:cSld>
     <p:spTree>
@@ -7175,6 +7061,144 @@
     <p:extLst>
       <p:ext uri="{BB962C8B-B14F-4D97-AF65-F5344CB8AC3E}">
         <p14:creationId xmlns:p14="http://schemas.microsoft.com/office/powerpoint/2010/main" val="1806936987"/>
+      </p:ext>
+    </p:extLst>
+  </p:cSld>
+  <p:clrMapOvr>
+    <a:masterClrMapping/>
+  </p:clrMapOvr>
+  <p:timing>
+    <p:tnLst>
+      <p:par>
+        <p:cTn id="1" dur="indefinite" restart="never" nodeType="tmRoot"/>
+      </p:par>
+    </p:tnLst>
+  </p:timing>
+</p:sld>
+</file>
+
+<file path=ppt/slides/slide5.xml><?xml version="1.0" encoding="utf-8"?>
+<p:sld xmlns:a="http://schemas.openxmlformats.org/drawingml/2006/main" xmlns:r="http://schemas.openxmlformats.org/officeDocument/2006/relationships" xmlns:p="http://schemas.openxmlformats.org/presentationml/2006/main">
+  <p:cSld>
+    <p:spTree>
+      <p:nvGrpSpPr>
+        <p:cNvPr id="1" name=""/>
+        <p:cNvGrpSpPr/>
+        <p:nvPr/>
+      </p:nvGrpSpPr>
+      <p:grpSpPr>
+        <a:xfrm>
+          <a:off x="0" y="0"/>
+          <a:ext cx="0" cy="0"/>
+          <a:chOff x="0" y="0"/>
+          <a:chExt cx="0" cy="0"/>
+        </a:xfrm>
+      </p:grpSpPr>
+      <p:sp>
+        <p:nvSpPr>
+          <p:cNvPr id="2" name="Заголовок 1"/>
+          <p:cNvSpPr>
+            <a:spLocks noGrp="1"/>
+          </p:cNvSpPr>
+          <p:nvPr>
+            <p:ph type="title"/>
+          </p:nvPr>
+        </p:nvSpPr>
+        <p:spPr/>
+        <p:txBody>
+          <a:bodyPr/>
+          <a:lstStyle/>
+          <a:p>
+            <a:pPr algn="l"/>
+            <a:r>
+              <a:rPr lang="ru-RU" dirty="0" smtClean="0">
+                <a:latin typeface="Times New Roman" panose="02020603050405020304" pitchFamily="18" charset="0"/>
+                <a:cs typeface="Times New Roman" panose="02020603050405020304" pitchFamily="18" charset="0"/>
+              </a:rPr>
+              <a:t>Входные и выходные данные</a:t>
+            </a:r>
+            <a:endParaRPr lang="ru-RU" dirty="0">
+              <a:latin typeface="Times New Roman" panose="02020603050405020304" pitchFamily="18" charset="0"/>
+              <a:cs typeface="Times New Roman" panose="02020603050405020304" pitchFamily="18" charset="0"/>
+            </a:endParaRPr>
+          </a:p>
+        </p:txBody>
+      </p:sp>
+      <p:sp>
+        <p:nvSpPr>
+          <p:cNvPr id="3" name="Объект 2"/>
+          <p:cNvSpPr>
+            <a:spLocks noGrp="1"/>
+          </p:cNvSpPr>
+          <p:nvPr>
+            <p:ph idx="1"/>
+          </p:nvPr>
+        </p:nvSpPr>
+        <p:spPr>
+          <a:xfrm>
+            <a:off x="1484311" y="1833092"/>
+            <a:ext cx="10018713" cy="2502795"/>
+          </a:xfrm>
+        </p:spPr>
+        <p:txBody>
+          <a:bodyPr/>
+          <a:lstStyle/>
+          <a:p>
+            <a:r>
+              <a:rPr lang="ru-RU" b="1" dirty="0" smtClean="0">
+                <a:latin typeface="Times New Roman" panose="02020603050405020304" pitchFamily="18" charset="0"/>
+                <a:cs typeface="Times New Roman" panose="02020603050405020304" pitchFamily="18" charset="0"/>
+              </a:rPr>
+              <a:t>Входные данные</a:t>
+            </a:r>
+            <a:br>
+              <a:rPr lang="ru-RU" b="1" dirty="0" smtClean="0">
+                <a:latin typeface="Times New Roman" panose="02020603050405020304" pitchFamily="18" charset="0"/>
+                <a:cs typeface="Times New Roman" panose="02020603050405020304" pitchFamily="18" charset="0"/>
+              </a:rPr>
+            </a:br>
+            <a:r>
+              <a:rPr lang="ru-RU" sz="2000" dirty="0" smtClean="0">
+                <a:latin typeface="Times New Roman" panose="02020603050405020304" pitchFamily="18" charset="0"/>
+                <a:cs typeface="Times New Roman" panose="02020603050405020304" pitchFamily="18" charset="0"/>
+              </a:rPr>
+              <a:t>Количество точек и их координаты.</a:t>
+            </a:r>
+          </a:p>
+          <a:p>
+            <a:r>
+              <a:rPr lang="ru-RU" b="1" dirty="0" smtClean="0">
+                <a:latin typeface="Times New Roman" panose="02020603050405020304" pitchFamily="18" charset="0"/>
+                <a:cs typeface="Times New Roman" panose="02020603050405020304" pitchFamily="18" charset="0"/>
+              </a:rPr>
+              <a:t>Выходные данные</a:t>
+            </a:r>
+            <a:br>
+              <a:rPr lang="ru-RU" b="1" dirty="0" smtClean="0">
+                <a:latin typeface="Times New Roman" panose="02020603050405020304" pitchFamily="18" charset="0"/>
+                <a:cs typeface="Times New Roman" panose="02020603050405020304" pitchFamily="18" charset="0"/>
+              </a:rPr>
+            </a:br>
+            <a:r>
+              <a:rPr lang="ru-RU" sz="2000" dirty="0" smtClean="0">
+                <a:latin typeface="Times New Roman" panose="02020603050405020304" pitchFamily="18" charset="0"/>
+                <a:cs typeface="Times New Roman" panose="02020603050405020304" pitchFamily="18" charset="0"/>
+              </a:rPr>
+              <a:t>Ответ на вопрос: «Является ли множество регулярным?»</a:t>
+            </a:r>
+          </a:p>
+          <a:p>
+            <a:endParaRPr lang="ru-RU" sz="2100" dirty="0">
+              <a:latin typeface="Times New Roman" panose="02020603050405020304" pitchFamily="18" charset="0"/>
+              <a:cs typeface="Times New Roman" panose="02020603050405020304" pitchFamily="18" charset="0"/>
+            </a:endParaRPr>
+          </a:p>
+        </p:txBody>
+      </p:sp>
+    </p:spTree>
+    <p:extLst>
+      <p:ext uri="{BB962C8B-B14F-4D97-AF65-F5344CB8AC3E}">
+        <p14:creationId xmlns:p14="http://schemas.microsoft.com/office/powerpoint/2010/main" val="2897613371"/>
       </p:ext>
     </p:extLst>
   </p:cSld>
@@ -9195,23 +9219,23 @@
       </p:sp>
       <p:sp>
         <p:nvSpPr>
-          <p:cNvPr id="3" name="Объект 2"/>
-          <p:cNvSpPr>
-            <a:spLocks noGrp="1"/>
-          </p:cNvSpPr>
-          <p:nvPr>
-            <p:ph idx="1"/>
-          </p:nvPr>
+          <p:cNvPr id="5" name="TextBox 4"/>
+          <p:cNvSpPr txBox="1"/>
+          <p:nvPr/>
         </p:nvSpPr>
         <p:spPr>
           <a:xfrm>
-            <a:off x="1484310" y="1562099"/>
-            <a:ext cx="10018713" cy="3124201"/>
+            <a:off x="1584101" y="2343954"/>
+            <a:ext cx="875763" cy="400110"/>
           </a:xfrm>
+          <a:prstGeom prst="rect">
+            <a:avLst/>
+          </a:prstGeom>
+          <a:noFill/>
         </p:spPr>
         <p:txBody>
-          <a:bodyPr>
-            <a:normAutofit/>
+          <a:bodyPr wrap="square" rtlCol="0">
+            <a:spAutoFit/>
           </a:bodyPr>
           <a:lstStyle/>
           <a:p>
@@ -9220,94 +9244,72 @@
                 <a:latin typeface="Times New Roman" panose="02020603050405020304" pitchFamily="18" charset="0"/>
                 <a:cs typeface="Times New Roman" panose="02020603050405020304" pitchFamily="18" charset="0"/>
               </a:rPr>
-              <a:t>Если точка имеет поле </a:t>
-            </a:r>
-            <a:r>
-              <a:rPr lang="en-US" sz="2000" dirty="0" err="1" smtClean="0">
-                <a:latin typeface="Times New Roman" panose="02020603050405020304" pitchFamily="18" charset="0"/>
-                <a:cs typeface="Times New Roman" panose="02020603050405020304" pitchFamily="18" charset="0"/>
-              </a:rPr>
-              <a:t>rmt</a:t>
-            </a:r>
-            <a:r>
-              <a:rPr lang="en-US" sz="2000" dirty="0" smtClean="0">
-                <a:latin typeface="Times New Roman" panose="02020603050405020304" pitchFamily="18" charset="0"/>
-                <a:cs typeface="Times New Roman" panose="02020603050405020304" pitchFamily="18" charset="0"/>
-              </a:rPr>
-              <a:t>=false</a:t>
-            </a:r>
+              <a:t>1.</a:t>
+            </a:r>
+            <a:endParaRPr lang="ru-RU" sz="2000" dirty="0">
+              <a:latin typeface="Times New Roman" panose="02020603050405020304" pitchFamily="18" charset="0"/>
+              <a:cs typeface="Times New Roman" panose="02020603050405020304" pitchFamily="18" charset="0"/>
+            </a:endParaRPr>
+          </a:p>
+        </p:txBody>
+      </p:sp>
+      <p:pic>
+        <p:nvPicPr>
+          <p:cNvPr id="6" name="Рисунок 5"/>
+          <p:cNvPicPr>
+            <a:picLocks noChangeAspect="1"/>
+          </p:cNvPicPr>
+          <p:nvPr/>
+        </p:nvPicPr>
+        <p:blipFill rotWithShape="1">
+          <a:blip r:embed="rId2">
+            <a:extLst>
+              <a:ext uri="{28A0092B-C50C-407E-A947-70E740481C1C}">
+                <a14:useLocalDpi xmlns:a14="http://schemas.microsoft.com/office/drawing/2010/main" val="0"/>
+              </a:ext>
+            </a:extLst>
+          </a:blip>
+          <a:srcRect l="6532" t="3785" r="25129" b="35966"/>
+          <a:stretch/>
+        </p:blipFill>
+        <p:spPr>
+          <a:xfrm>
+            <a:off x="6602830" y="2438399"/>
+            <a:ext cx="5222690" cy="3011943"/>
+          </a:xfrm>
+          <a:prstGeom prst="rect">
+            <a:avLst/>
+          </a:prstGeom>
+        </p:spPr>
+      </p:pic>
+      <p:sp>
+        <p:nvSpPr>
+          <p:cNvPr id="7" name="TextBox 6"/>
+          <p:cNvSpPr txBox="1"/>
+          <p:nvPr/>
+        </p:nvSpPr>
+        <p:spPr>
+          <a:xfrm>
+            <a:off x="6164948" y="2391177"/>
+            <a:ext cx="437882" cy="400110"/>
+          </a:xfrm>
+          <a:prstGeom prst="rect">
+            <a:avLst/>
+          </a:prstGeom>
+          <a:noFill/>
+        </p:spPr>
+        <p:txBody>
+          <a:bodyPr wrap="square" rtlCol="0">
+            <a:spAutoFit/>
+          </a:bodyPr>
+          <a:lstStyle/>
+          <a:p>
             <a:r>
               <a:rPr lang="ru-RU" sz="2000" dirty="0" smtClean="0">
                 <a:latin typeface="Times New Roman" panose="02020603050405020304" pitchFamily="18" charset="0"/>
                 <a:cs typeface="Times New Roman" panose="02020603050405020304" pitchFamily="18" charset="0"/>
               </a:rPr>
-              <a:t>, то проверяем ее на то, что она состоит хотя бы в одном равностороннем треугольнике.</a:t>
-            </a:r>
-          </a:p>
-          <a:p>
-            <a:r>
-              <a:rPr lang="ru-RU" sz="2000" dirty="0" smtClean="0">
-                <a:latin typeface="Times New Roman" panose="02020603050405020304" pitchFamily="18" charset="0"/>
-                <a:cs typeface="Times New Roman" panose="02020603050405020304" pitchFamily="18" charset="0"/>
-              </a:rPr>
-              <a:t>Если точка состоит в равностороннем треугольнике, то меняем значение переменной </a:t>
-            </a:r>
-            <a:r>
-              <a:rPr lang="en-US" sz="2000" dirty="0" err="1" smtClean="0">
-                <a:latin typeface="Times New Roman" panose="02020603050405020304" pitchFamily="18" charset="0"/>
-                <a:cs typeface="Times New Roman" panose="02020603050405020304" pitchFamily="18" charset="0"/>
-              </a:rPr>
-              <a:t>rmt</a:t>
-            </a:r>
-            <a:r>
-              <a:rPr lang="ru-RU" sz="2000" dirty="0" smtClean="0">
-                <a:latin typeface="Times New Roman" panose="02020603050405020304" pitchFamily="18" charset="0"/>
-                <a:cs typeface="Times New Roman" panose="02020603050405020304" pitchFamily="18" charset="0"/>
-              </a:rPr>
-              <a:t>.</a:t>
-            </a:r>
-          </a:p>
-          <a:p>
-            <a:r>
-              <a:rPr lang="ru-RU" sz="2000" dirty="0" smtClean="0">
-                <a:latin typeface="Times New Roman" panose="02020603050405020304" pitchFamily="18" charset="0"/>
-                <a:cs typeface="Times New Roman" panose="02020603050405020304" pitchFamily="18" charset="0"/>
-              </a:rPr>
-              <a:t>Аналогично для всех точек.</a:t>
-            </a:r>
-            <a:endParaRPr lang="en-US" sz="2000" dirty="0" smtClean="0">
-              <a:latin typeface="Times New Roman" panose="02020603050405020304" pitchFamily="18" charset="0"/>
-              <a:cs typeface="Times New Roman" panose="02020603050405020304" pitchFamily="18" charset="0"/>
-            </a:endParaRPr>
-          </a:p>
-          <a:p>
-            <a:r>
-              <a:rPr lang="ru-RU" sz="2000" dirty="0" smtClean="0">
-                <a:latin typeface="Times New Roman" panose="02020603050405020304" pitchFamily="18" charset="0"/>
-                <a:cs typeface="Times New Roman" panose="02020603050405020304" pitchFamily="18" charset="0"/>
-              </a:rPr>
-              <a:t>Если потом хотя бы одна имеет поле </a:t>
-            </a:r>
-            <a:r>
-              <a:rPr lang="en-US" sz="2000" dirty="0" err="1" smtClean="0">
-                <a:latin typeface="Times New Roman" panose="02020603050405020304" pitchFamily="18" charset="0"/>
-                <a:cs typeface="Times New Roman" panose="02020603050405020304" pitchFamily="18" charset="0"/>
-              </a:rPr>
-              <a:t>rmt</a:t>
-            </a:r>
-            <a:r>
-              <a:rPr lang="en-US" sz="2000" dirty="0" smtClean="0">
-                <a:latin typeface="Times New Roman" panose="02020603050405020304" pitchFamily="18" charset="0"/>
-                <a:cs typeface="Times New Roman" panose="02020603050405020304" pitchFamily="18" charset="0"/>
-              </a:rPr>
-              <a:t>=false</a:t>
-            </a:r>
-            <a:r>
-              <a:rPr lang="ru-RU" sz="2000" dirty="0" smtClean="0">
-                <a:latin typeface="Times New Roman" panose="02020603050405020304" pitchFamily="18" charset="0"/>
-                <a:cs typeface="Times New Roman" panose="02020603050405020304" pitchFamily="18" charset="0"/>
-              </a:rPr>
-              <a:t>, то множество не является регулярным.</a:t>
+              <a:t>2.</a:t>
             </a:r>
             <a:endParaRPr lang="ru-RU" sz="2000" dirty="0">
               <a:latin typeface="Times New Roman" panose="02020603050405020304" pitchFamily="18" charset="0"/>
@@ -9316,6 +9318,34 @@
           </a:p>
         </p:txBody>
       </p:sp>
+      <p:pic>
+        <p:nvPicPr>
+          <p:cNvPr id="11" name="Объект 10"/>
+          <p:cNvPicPr>
+            <a:picLocks noGrp="1" noChangeAspect="1"/>
+          </p:cNvPicPr>
+          <p:nvPr>
+            <p:ph idx="1"/>
+          </p:nvPr>
+        </p:nvPicPr>
+        <p:blipFill rotWithShape="1">
+          <a:blip r:embed="rId3">
+            <a:extLst>
+              <a:ext uri="{28A0092B-C50C-407E-A947-70E740481C1C}">
+                <a14:useLocalDpi xmlns:a14="http://schemas.microsoft.com/office/drawing/2010/main" val="0"/>
+              </a:ext>
+            </a:extLst>
+          </a:blip>
+          <a:srcRect l="3344" r="4140" b="4122"/>
+          <a:stretch/>
+        </p:blipFill>
+        <p:spPr>
+          <a:xfrm>
+            <a:off x="1889162" y="2452349"/>
+            <a:ext cx="4275786" cy="2995414"/>
+          </a:xfrm>
+        </p:spPr>
+      </p:pic>
     </p:spTree>
     <p:extLst>
       <p:ext uri="{BB962C8B-B14F-4D97-AF65-F5344CB8AC3E}">

--- a/Проверка множества точек.pptx
+++ b/Проверка множества точек.pptx
@@ -7262,322 +7262,51 @@
           </a:p>
         </p:txBody>
       </p:sp>
-      <mc:AlternateContent xmlns:mc="http://schemas.openxmlformats.org/markup-compatibility/2006">
-        <mc:Choice xmlns:a14="http://schemas.microsoft.com/office/drawing/2010/main" Requires="a14">
-          <p:sp>
-            <p:nvSpPr>
-              <p:cNvPr id="3" name="Объект 2"/>
-              <p:cNvSpPr>
-                <a:spLocks noGrp="1"/>
-              </p:cNvSpPr>
-              <p:nvPr>
-                <p:ph idx="1"/>
-              </p:nvPr>
-            </p:nvSpPr>
-            <p:spPr>
-              <a:xfrm>
-                <a:off x="1484310" y="2163652"/>
-                <a:ext cx="10018713" cy="1287888"/>
-              </a:xfrm>
-            </p:spPr>
-            <p:txBody>
-              <a:bodyPr>
-                <a:normAutofit/>
-              </a:bodyPr>
-              <a:lstStyle/>
-              <a:p>
-                <a:r>
-                  <a:rPr lang="ru-RU" sz="2100" dirty="0" smtClean="0">
-                    <a:latin typeface="Times New Roman" panose="02020603050405020304" pitchFamily="18" charset="0"/>
-                    <a:cs typeface="Times New Roman" panose="02020603050405020304" pitchFamily="18" charset="0"/>
-                  </a:rPr>
-                  <a:t>Нахождение длины отрезка по его координатам</a:t>
-                </a:r>
-                <a:endParaRPr lang="en-US" sz="2100" dirty="0" smtClean="0">
-                  <a:latin typeface="Times New Roman" panose="02020603050405020304" pitchFamily="18" charset="0"/>
-                  <a:cs typeface="Times New Roman" panose="02020603050405020304" pitchFamily="18" charset="0"/>
-                </a:endParaRPr>
-              </a:p>
-              <a:p>
-                <a:pPr marL="0" indent="0">
-                  <a:buNone/>
-                </a:pPr>
-                <a14:m>
-                  <m:oMathPara xmlns:m="http://schemas.openxmlformats.org/officeDocument/2006/math">
-                    <m:oMathParaPr>
-                      <m:jc m:val="centerGroup"/>
-                    </m:oMathParaPr>
-                    <m:oMath xmlns:m="http://schemas.openxmlformats.org/officeDocument/2006/math">
-                      <m:r>
-                        <a:rPr lang="en-US" sz="2100" b="0" i="1" smtClean="0">
-                          <a:latin typeface="Cambria Math" panose="02040503050406030204" pitchFamily="18" charset="0"/>
-                          <a:cs typeface="Times New Roman" panose="02020603050405020304" pitchFamily="18" charset="0"/>
-                        </a:rPr>
-                        <m:t>𝐴𝐵</m:t>
-                      </m:r>
-                      <m:r>
-                        <a:rPr lang="en-US" sz="2100" b="0" i="1" smtClean="0">
-                          <a:latin typeface="Cambria Math" panose="02040503050406030204" pitchFamily="18" charset="0"/>
-                          <a:cs typeface="Times New Roman" panose="02020603050405020304" pitchFamily="18" charset="0"/>
-                        </a:rPr>
-                        <m:t>=</m:t>
-                      </m:r>
-                      <m:rad>
-                        <m:radPr>
-                          <m:degHide m:val="on"/>
-                          <m:ctrlPr>
-                            <a:rPr lang="en-US" sz="2100" b="0" i="1" smtClean="0">
-                              <a:latin typeface="Cambria Math" panose="02040503050406030204" pitchFamily="18" charset="0"/>
-                              <a:cs typeface="Times New Roman" panose="02020603050405020304" pitchFamily="18" charset="0"/>
-                            </a:rPr>
-                          </m:ctrlPr>
-                        </m:radPr>
-                        <m:deg/>
-                        <m:e>
-                          <m:d>
-                            <m:dPr>
-                              <m:ctrlPr>
-                                <a:rPr lang="en-US" sz="2100" b="0" i="1" smtClean="0">
-                                  <a:latin typeface="Cambria Math" panose="02040503050406030204" pitchFamily="18" charset="0"/>
-                                  <a:cs typeface="Times New Roman" panose="02020603050405020304" pitchFamily="18" charset="0"/>
-                                </a:rPr>
-                              </m:ctrlPr>
-                            </m:dPr>
-                            <m:e>
-                              <m:sSubSup>
-                                <m:sSubSupPr>
-                                  <m:ctrlPr>
-                                    <a:rPr lang="en-US" sz="2100" b="0" i="1" smtClean="0">
-                                      <a:latin typeface="Cambria Math" panose="02040503050406030204" pitchFamily="18" charset="0"/>
-                                      <a:cs typeface="Times New Roman" panose="02020603050405020304" pitchFamily="18" charset="0"/>
-                                    </a:rPr>
-                                  </m:ctrlPr>
-                                </m:sSubSupPr>
-                                <m:e>
-                                  <m:r>
-                                    <a:rPr lang="en-US" sz="2100" b="0" i="1" smtClean="0">
-                                      <a:latin typeface="Cambria Math" panose="02040503050406030204" pitchFamily="18" charset="0"/>
-                                      <a:cs typeface="Times New Roman" panose="02020603050405020304" pitchFamily="18" charset="0"/>
-                                    </a:rPr>
-                                    <m:t>𝑥</m:t>
-                                  </m:r>
-                                </m:e>
-                                <m:sub>
-                                  <m:r>
-                                    <a:rPr lang="en-US" sz="2100" b="0" i="1" smtClean="0">
-                                      <a:latin typeface="Cambria Math" panose="02040503050406030204" pitchFamily="18" charset="0"/>
-                                      <a:cs typeface="Times New Roman" panose="02020603050405020304" pitchFamily="18" charset="0"/>
-                                    </a:rPr>
-                                    <m:t>1</m:t>
-                                  </m:r>
-                                </m:sub>
-                                <m:sup>
-                                  <m:r>
-                                    <a:rPr lang="en-US" sz="2100" b="0" i="1" smtClean="0">
-                                      <a:latin typeface="Cambria Math" panose="02040503050406030204" pitchFamily="18" charset="0"/>
-                                      <a:cs typeface="Times New Roman" panose="02020603050405020304" pitchFamily="18" charset="0"/>
-                                    </a:rPr>
-                                    <m:t>2</m:t>
-                                  </m:r>
-                                </m:sup>
-                              </m:sSubSup>
-                              <m:r>
-                                <a:rPr lang="en-US" sz="2100" b="0" i="1" smtClean="0">
-                                  <a:latin typeface="Cambria Math" panose="02040503050406030204" pitchFamily="18" charset="0"/>
-                                  <a:cs typeface="Times New Roman" panose="02020603050405020304" pitchFamily="18" charset="0"/>
-                                </a:rPr>
-                                <m:t>−</m:t>
-                              </m:r>
-                              <m:sSubSup>
-                                <m:sSubSupPr>
-                                  <m:ctrlPr>
-                                    <a:rPr lang="en-US" sz="2100" b="0" i="1" smtClean="0">
-                                      <a:latin typeface="Cambria Math" panose="02040503050406030204" pitchFamily="18" charset="0"/>
-                                      <a:cs typeface="Times New Roman" panose="02020603050405020304" pitchFamily="18" charset="0"/>
-                                    </a:rPr>
-                                  </m:ctrlPr>
-                                </m:sSubSupPr>
-                                <m:e>
-                                  <m:r>
-                                    <a:rPr lang="en-US" sz="2100" b="0" i="1" smtClean="0">
-                                      <a:latin typeface="Cambria Math" panose="02040503050406030204" pitchFamily="18" charset="0"/>
-                                      <a:cs typeface="Times New Roman" panose="02020603050405020304" pitchFamily="18" charset="0"/>
-                                    </a:rPr>
-                                    <m:t>𝑥</m:t>
-                                  </m:r>
-                                </m:e>
-                                <m:sub>
-                                  <m:r>
-                                    <a:rPr lang="en-US" sz="2100" b="0" i="1" smtClean="0">
-                                      <a:latin typeface="Cambria Math" panose="02040503050406030204" pitchFamily="18" charset="0"/>
-                                      <a:cs typeface="Times New Roman" panose="02020603050405020304" pitchFamily="18" charset="0"/>
-                                    </a:rPr>
-                                    <m:t>2</m:t>
-                                  </m:r>
-                                </m:sub>
-                                <m:sup>
-                                  <m:r>
-                                    <a:rPr lang="en-US" sz="2100" b="0" i="1" smtClean="0">
-                                      <a:latin typeface="Cambria Math" panose="02040503050406030204" pitchFamily="18" charset="0"/>
-                                      <a:cs typeface="Times New Roman" panose="02020603050405020304" pitchFamily="18" charset="0"/>
-                                    </a:rPr>
-                                    <m:t>2</m:t>
-                                  </m:r>
-                                </m:sup>
-                              </m:sSubSup>
-                            </m:e>
-                          </m:d>
-                          <m:r>
-                            <a:rPr lang="en-US" sz="2100" b="0" i="1" smtClean="0">
-                              <a:latin typeface="Cambria Math" panose="02040503050406030204" pitchFamily="18" charset="0"/>
-                              <a:cs typeface="Times New Roman" panose="02020603050405020304" pitchFamily="18" charset="0"/>
-                            </a:rPr>
-                            <m:t>+</m:t>
-                          </m:r>
-                          <m:d>
-                            <m:dPr>
-                              <m:ctrlPr>
-                                <a:rPr lang="en-US" sz="2100" i="1">
-                                  <a:latin typeface="Cambria Math" panose="02040503050406030204" pitchFamily="18" charset="0"/>
-                                  <a:cs typeface="Times New Roman" panose="02020603050405020304" pitchFamily="18" charset="0"/>
-                                </a:rPr>
-                              </m:ctrlPr>
-                            </m:dPr>
-                            <m:e>
-                              <m:sSubSup>
-                                <m:sSubSupPr>
-                                  <m:ctrlPr>
-                                    <a:rPr lang="en-US" sz="2100" i="1">
-                                      <a:latin typeface="Cambria Math" panose="02040503050406030204" pitchFamily="18" charset="0"/>
-                                      <a:cs typeface="Times New Roman" panose="02020603050405020304" pitchFamily="18" charset="0"/>
-                                    </a:rPr>
-                                  </m:ctrlPr>
-                                </m:sSubSupPr>
-                                <m:e>
-                                  <m:r>
-                                    <a:rPr lang="en-US" sz="2100" b="0" i="1" smtClean="0">
-                                      <a:latin typeface="Cambria Math" panose="02040503050406030204" pitchFamily="18" charset="0"/>
-                                      <a:cs typeface="Times New Roman" panose="02020603050405020304" pitchFamily="18" charset="0"/>
-                                    </a:rPr>
-                                    <m:t>𝑦</m:t>
-                                  </m:r>
-                                </m:e>
-                                <m:sub>
-                                  <m:r>
-                                    <a:rPr lang="en-US" sz="2100" b="0" i="1" smtClean="0">
-                                      <a:latin typeface="Cambria Math" panose="02040503050406030204" pitchFamily="18" charset="0"/>
-                                      <a:cs typeface="Times New Roman" panose="02020603050405020304" pitchFamily="18" charset="0"/>
-                                    </a:rPr>
-                                    <m:t>1</m:t>
-                                  </m:r>
-                                </m:sub>
-                                <m:sup>
-                                  <m:r>
-                                    <a:rPr lang="en-US" sz="2100" i="1">
-                                      <a:latin typeface="Cambria Math" panose="02040503050406030204" pitchFamily="18" charset="0"/>
-                                      <a:cs typeface="Times New Roman" panose="02020603050405020304" pitchFamily="18" charset="0"/>
-                                    </a:rPr>
-                                    <m:t>2</m:t>
-                                  </m:r>
-                                </m:sup>
-                              </m:sSubSup>
-                              <m:r>
-                                <a:rPr lang="en-US" sz="2100" i="1">
-                                  <a:latin typeface="Cambria Math" panose="02040503050406030204" pitchFamily="18" charset="0"/>
-                                  <a:cs typeface="Times New Roman" panose="02020603050405020304" pitchFamily="18" charset="0"/>
-                                </a:rPr>
-                                <m:t>−</m:t>
-                              </m:r>
-                              <m:sSubSup>
-                                <m:sSubSupPr>
-                                  <m:ctrlPr>
-                                    <a:rPr lang="en-US" sz="2100" i="1" smtClean="0">
-                                      <a:latin typeface="Cambria Math" panose="02040503050406030204" pitchFamily="18" charset="0"/>
-                                      <a:cs typeface="Times New Roman" panose="02020603050405020304" pitchFamily="18" charset="0"/>
-                                    </a:rPr>
-                                  </m:ctrlPr>
-                                </m:sSubSupPr>
-                                <m:e>
-                                  <m:r>
-                                    <a:rPr lang="en-US" sz="2100" b="0" i="1" smtClean="0">
-                                      <a:latin typeface="Cambria Math" panose="02040503050406030204" pitchFamily="18" charset="0"/>
-                                      <a:cs typeface="Times New Roman" panose="02020603050405020304" pitchFamily="18" charset="0"/>
-                                    </a:rPr>
-                                    <m:t>𝑦</m:t>
-                                  </m:r>
-                                </m:e>
-                                <m:sub>
-                                  <m:r>
-                                    <a:rPr lang="en-US" sz="2100" b="0" i="1" smtClean="0">
-                                      <a:latin typeface="Cambria Math" panose="02040503050406030204" pitchFamily="18" charset="0"/>
-                                      <a:cs typeface="Times New Roman" panose="02020603050405020304" pitchFamily="18" charset="0"/>
-                                    </a:rPr>
-                                    <m:t>2</m:t>
-                                  </m:r>
-                                </m:sub>
-                                <m:sup>
-                                  <m:r>
-                                    <a:rPr lang="en-US" sz="2100" i="1">
-                                      <a:latin typeface="Cambria Math" panose="02040503050406030204" pitchFamily="18" charset="0"/>
-                                      <a:cs typeface="Times New Roman" panose="02020603050405020304" pitchFamily="18" charset="0"/>
-                                    </a:rPr>
-                                    <m:t>2</m:t>
-                                  </m:r>
-                                </m:sup>
-                              </m:sSubSup>
-                            </m:e>
-                          </m:d>
-                        </m:e>
-                      </m:rad>
-                    </m:oMath>
-                  </m:oMathPara>
-                </a14:m>
-                <a:endParaRPr lang="ru-RU" sz="2100" dirty="0">
-                  <a:latin typeface="Times New Roman" panose="02020603050405020304" pitchFamily="18" charset="0"/>
-                  <a:cs typeface="Times New Roman" panose="02020603050405020304" pitchFamily="18" charset="0"/>
-                </a:endParaRPr>
-              </a:p>
-            </p:txBody>
-          </p:sp>
-        </mc:Choice>
-        <mc:Fallback>
-          <p:sp>
-            <p:nvSpPr>
-              <p:cNvPr id="3" name="Объект 2"/>
-              <p:cNvSpPr>
-                <a:spLocks noGrp="1" noRot="1" noChangeAspect="1" noMove="1" noResize="1" noEditPoints="1" noAdjustHandles="1" noChangeArrowheads="1" noChangeShapeType="1" noTextEdit="1"/>
-              </p:cNvSpPr>
-              <p:nvPr>
-                <p:ph idx="1"/>
-              </p:nvPr>
-            </p:nvSpPr>
-            <p:spPr>
-              <a:xfrm>
-                <a:off x="1484310" y="2163652"/>
-                <a:ext cx="10018713" cy="1287888"/>
-              </a:xfrm>
-              <a:blipFill rotWithShape="0">
-                <a:blip r:embed="rId2"/>
-                <a:stretch>
-                  <a:fillRect l="-1217" t="-9479"/>
-                </a:stretch>
-              </a:blipFill>
-            </p:spPr>
-            <p:txBody>
-              <a:bodyPr/>
-              <a:lstStyle/>
-              <a:p>
-                <a:r>
-                  <a:rPr lang="ru-RU">
-                    <a:noFill/>
-                  </a:rPr>
-                  <a:t> </a:t>
-                </a:r>
-              </a:p>
-            </p:txBody>
-          </p:sp>
-        </mc:Fallback>
-      </mc:AlternateContent>
+      <p:sp>
+        <p:nvSpPr>
+          <p:cNvPr id="3" name="Объект 2"/>
+          <p:cNvSpPr>
+            <a:spLocks noGrp="1"/>
+          </p:cNvSpPr>
+          <p:nvPr>
+            <p:ph idx="1"/>
+          </p:nvPr>
+        </p:nvSpPr>
+        <p:spPr>
+          <a:xfrm>
+            <a:off x="1484310" y="2163652"/>
+            <a:ext cx="10018713" cy="1287888"/>
+          </a:xfrm>
+        </p:spPr>
+        <p:txBody>
+          <a:bodyPr>
+            <a:normAutofit/>
+          </a:bodyPr>
+          <a:lstStyle/>
+          <a:p>
+            <a:r>
+              <a:rPr lang="ru-RU" sz="2100" dirty="0" smtClean="0">
+                <a:latin typeface="Times New Roman" panose="02020603050405020304" pitchFamily="18" charset="0"/>
+                <a:cs typeface="Times New Roman" panose="02020603050405020304" pitchFamily="18" charset="0"/>
+              </a:rPr>
+              <a:t>Нахождение длины отрезка по его координатам</a:t>
+            </a:r>
+            <a:endParaRPr lang="en-US" sz="2100" dirty="0" smtClean="0">
+              <a:latin typeface="Times New Roman" panose="02020603050405020304" pitchFamily="18" charset="0"/>
+              <a:cs typeface="Times New Roman" panose="02020603050405020304" pitchFamily="18" charset="0"/>
+            </a:endParaRPr>
+          </a:p>
+          <a:p>
+            <a:pPr marL="0" indent="0">
+              <a:buNone/>
+            </a:pPr>
+            <a:endParaRPr lang="ru-RU" sz="2100" dirty="0">
+              <a:latin typeface="Times New Roman" panose="02020603050405020304" pitchFamily="18" charset="0"/>
+              <a:cs typeface="Times New Roman" panose="02020603050405020304" pitchFamily="18" charset="0"/>
+            </a:endParaRPr>
+          </a:p>
+        </p:txBody>
+      </p:sp>
       <p:pic>
         <p:nvPicPr>
           <p:cNvPr id="4" name="Рисунок 3"/>
@@ -7587,7 +7316,7 @@
           <p:nvPr/>
         </p:nvPicPr>
         <p:blipFill rotWithShape="1">
-          <a:blip r:embed="rId3">
+          <a:blip r:embed="rId2">
             <a:extLst>
               <a:ext uri="{28A0092B-C50C-407E-A947-70E740481C1C}">
                 <a14:useLocalDpi xmlns:a14="http://schemas.microsoft.com/office/drawing/2010/main" val="0"/>
@@ -7607,6 +7336,288 @@
           </a:prstGeom>
         </p:spPr>
       </p:pic>
+      <mc:AlternateContent xmlns:mc="http://schemas.openxmlformats.org/markup-compatibility/2006">
+        <mc:Choice xmlns:a14="http://schemas.microsoft.com/office/drawing/2010/main" Requires="a14">
+          <p:sp>
+            <p:nvSpPr>
+              <p:cNvPr id="5" name="TextBox 4"/>
+              <p:cNvSpPr txBox="1"/>
+              <p:nvPr/>
+            </p:nvSpPr>
+            <p:spPr>
+              <a:xfrm>
+                <a:off x="1777284" y="2940675"/>
+                <a:ext cx="3040576" cy="335413"/>
+              </a:xfrm>
+              <a:prstGeom prst="rect">
+                <a:avLst/>
+              </a:prstGeom>
+              <a:noFill/>
+            </p:spPr>
+            <p:txBody>
+              <a:bodyPr wrap="none" lIns="0" tIns="0" rIns="0" bIns="0" rtlCol="0">
+                <a:spAutoFit/>
+              </a:bodyPr>
+              <a:lstStyle/>
+              <a:p>
+                <a14:m>
+                  <m:oMathPara xmlns:m="http://schemas.openxmlformats.org/officeDocument/2006/math">
+                    <m:oMathParaPr>
+                      <m:jc m:val="centerGroup"/>
+                    </m:oMathParaPr>
+                    <m:oMath xmlns:m="http://schemas.openxmlformats.org/officeDocument/2006/math">
+                      <m:r>
+                        <a:rPr lang="en-US" b="0" i="1" smtClean="0">
+                          <a:latin typeface="Cambria Math" panose="02040503050406030204" pitchFamily="18" charset="0"/>
+                        </a:rPr>
+                        <m:t>𝐴𝐵</m:t>
+                      </m:r>
+                      <m:r>
+                        <a:rPr lang="en-US" b="0" i="1" smtClean="0">
+                          <a:latin typeface="Cambria Math" panose="02040503050406030204" pitchFamily="18" charset="0"/>
+                        </a:rPr>
+                        <m:t>=</m:t>
+                      </m:r>
+                      <m:rad>
+                        <m:radPr>
+                          <m:degHide m:val="on"/>
+                          <m:ctrlPr>
+                            <a:rPr lang="en-US" b="0" i="1" smtClean="0">
+                              <a:latin typeface="Cambria Math" panose="02040503050406030204" pitchFamily="18" charset="0"/>
+                            </a:rPr>
+                          </m:ctrlPr>
+                        </m:radPr>
+                        <m:deg/>
+                        <m:e>
+                          <m:sSup>
+                            <m:sSupPr>
+                              <m:ctrlPr>
+                                <a:rPr lang="en-US" b="0" i="1" smtClean="0">
+                                  <a:latin typeface="Cambria Math" panose="02040503050406030204" pitchFamily="18" charset="0"/>
+                                </a:rPr>
+                              </m:ctrlPr>
+                            </m:sSupPr>
+                            <m:e>
+                              <m:sSub>
+                                <m:sSubPr>
+                                  <m:ctrlPr>
+                                    <a:rPr lang="en-US" b="0" i="1" smtClean="0">
+                                      <a:latin typeface="Cambria Math" panose="02040503050406030204" pitchFamily="18" charset="0"/>
+                                    </a:rPr>
+                                  </m:ctrlPr>
+                                </m:sSubPr>
+                                <m:e>
+                                  <m:r>
+                                    <a:rPr lang="en-US" b="0" i="1" smtClean="0">
+                                      <a:latin typeface="Cambria Math" panose="02040503050406030204" pitchFamily="18" charset="0"/>
+                                    </a:rPr>
+                                    <m:t>(</m:t>
+                                  </m:r>
+                                  <m:r>
+                                    <a:rPr lang="en-US" b="0" i="1" smtClean="0">
+                                      <a:latin typeface="Cambria Math" panose="02040503050406030204" pitchFamily="18" charset="0"/>
+                                    </a:rPr>
+                                    <m:t>𝑥</m:t>
+                                  </m:r>
+                                </m:e>
+                                <m:sub>
+                                  <m:r>
+                                    <a:rPr lang="en-US" b="0" i="1" smtClean="0">
+                                      <a:latin typeface="Cambria Math" panose="02040503050406030204" pitchFamily="18" charset="0"/>
+                                    </a:rPr>
+                                    <m:t>2</m:t>
+                                  </m:r>
+                                </m:sub>
+                              </m:sSub>
+                              <m:r>
+                                <a:rPr lang="en-US" b="0" i="1" smtClean="0">
+                                  <a:latin typeface="Cambria Math" panose="02040503050406030204" pitchFamily="18" charset="0"/>
+                                </a:rPr>
+                                <m:t>−</m:t>
+                              </m:r>
+                              <m:sSub>
+                                <m:sSubPr>
+                                  <m:ctrlPr>
+                                    <a:rPr lang="en-US" b="0" i="1" smtClean="0">
+                                      <a:latin typeface="Cambria Math" panose="02040503050406030204" pitchFamily="18" charset="0"/>
+                                    </a:rPr>
+                                  </m:ctrlPr>
+                                </m:sSubPr>
+                                <m:e>
+                                  <m:r>
+                                    <a:rPr lang="en-US" b="0" i="1" smtClean="0">
+                                      <a:latin typeface="Cambria Math" panose="02040503050406030204" pitchFamily="18" charset="0"/>
+                                    </a:rPr>
+                                    <m:t>𝑥</m:t>
+                                  </m:r>
+                                </m:e>
+                                <m:sub>
+                                  <m:r>
+                                    <a:rPr lang="en-US" b="0" i="1" smtClean="0">
+                                      <a:latin typeface="Cambria Math" panose="02040503050406030204" pitchFamily="18" charset="0"/>
+                                    </a:rPr>
+                                    <m:t>1</m:t>
+                                  </m:r>
+                                </m:sub>
+                              </m:sSub>
+                              <m:r>
+                                <a:rPr lang="en-US" b="0" i="1" smtClean="0">
+                                  <a:latin typeface="Cambria Math" panose="02040503050406030204" pitchFamily="18" charset="0"/>
+                                </a:rPr>
+                                <m:t>)</m:t>
+                              </m:r>
+                            </m:e>
+                            <m:sup>
+                              <m:r>
+                                <a:rPr lang="en-US" b="0" i="1" smtClean="0">
+                                  <a:latin typeface="Cambria Math" panose="02040503050406030204" pitchFamily="18" charset="0"/>
+                                </a:rPr>
+                                <m:t>2</m:t>
+                              </m:r>
+                            </m:sup>
+                          </m:sSup>
+                          <m:r>
+                            <a:rPr lang="en-US" b="0" i="1" smtClean="0">
+                              <a:latin typeface="Cambria Math" panose="02040503050406030204" pitchFamily="18" charset="0"/>
+                            </a:rPr>
+                            <m:t>+</m:t>
+                          </m:r>
+                          <m:sSup>
+                            <m:sSupPr>
+                              <m:ctrlPr>
+                                <a:rPr lang="en-US" b="0" i="1" smtClean="0">
+                                  <a:latin typeface="Cambria Math" panose="02040503050406030204" pitchFamily="18" charset="0"/>
+                                </a:rPr>
+                              </m:ctrlPr>
+                            </m:sSupPr>
+                            <m:e>
+                              <m:sSub>
+                                <m:sSubPr>
+                                  <m:ctrlPr>
+                                    <a:rPr lang="en-US" b="0" i="1" smtClean="0">
+                                      <a:latin typeface="Cambria Math" panose="02040503050406030204" pitchFamily="18" charset="0"/>
+                                    </a:rPr>
+                                  </m:ctrlPr>
+                                </m:sSubPr>
+                                <m:e>
+                                  <m:r>
+                                    <a:rPr lang="en-US" b="0" i="1" smtClean="0">
+                                      <a:latin typeface="Cambria Math" panose="02040503050406030204" pitchFamily="18" charset="0"/>
+                                    </a:rPr>
+                                    <m:t>(</m:t>
+                                  </m:r>
+                                  <m:r>
+                                    <a:rPr lang="en-US" b="0" i="1" smtClean="0">
+                                      <a:latin typeface="Cambria Math" panose="02040503050406030204" pitchFamily="18" charset="0"/>
+                                    </a:rPr>
+                                    <m:t>𝑦</m:t>
+                                  </m:r>
+                                </m:e>
+                                <m:sub>
+                                  <m:r>
+                                    <a:rPr lang="en-US" b="0" i="1" smtClean="0">
+                                      <a:latin typeface="Cambria Math" panose="02040503050406030204" pitchFamily="18" charset="0"/>
+                                    </a:rPr>
+                                    <m:t>2</m:t>
+                                  </m:r>
+                                </m:sub>
+                              </m:sSub>
+                              <m:r>
+                                <a:rPr lang="en-US" b="0" i="1" smtClean="0">
+                                  <a:latin typeface="Cambria Math" panose="02040503050406030204" pitchFamily="18" charset="0"/>
+                                </a:rPr>
+                                <m:t>−</m:t>
+                              </m:r>
+                              <m:sSub>
+                                <m:sSubPr>
+                                  <m:ctrlPr>
+                                    <a:rPr lang="en-US" b="0" i="1" smtClean="0">
+                                      <a:latin typeface="Cambria Math" panose="02040503050406030204" pitchFamily="18" charset="0"/>
+                                    </a:rPr>
+                                  </m:ctrlPr>
+                                </m:sSubPr>
+                                <m:e>
+                                  <m:r>
+                                    <a:rPr lang="en-US" b="0" i="1" smtClean="0">
+                                      <a:latin typeface="Cambria Math" panose="02040503050406030204" pitchFamily="18" charset="0"/>
+                                    </a:rPr>
+                                    <m:t>𝑦</m:t>
+                                  </m:r>
+                                </m:e>
+                                <m:sub>
+                                  <m:r>
+                                    <a:rPr lang="en-US" b="0" i="1" smtClean="0">
+                                      <a:latin typeface="Cambria Math" panose="02040503050406030204" pitchFamily="18" charset="0"/>
+                                    </a:rPr>
+                                    <m:t>1</m:t>
+                                  </m:r>
+                                </m:sub>
+                              </m:sSub>
+                              <m:r>
+                                <a:rPr lang="en-US" b="0" i="1" smtClean="0">
+                                  <a:latin typeface="Cambria Math" panose="02040503050406030204" pitchFamily="18" charset="0"/>
+                                </a:rPr>
+                                <m:t>)</m:t>
+                              </m:r>
+                            </m:e>
+                            <m:sup>
+                              <m:r>
+                                <a:rPr lang="en-US" b="0" i="1" smtClean="0">
+                                  <a:latin typeface="Cambria Math" panose="02040503050406030204" pitchFamily="18" charset="0"/>
+                                </a:rPr>
+                                <m:t>2</m:t>
+                              </m:r>
+                            </m:sup>
+                          </m:sSup>
+                        </m:e>
+                      </m:rad>
+                    </m:oMath>
+                  </m:oMathPara>
+                </a14:m>
+                <a:endParaRPr lang="ru-RU" dirty="0"/>
+              </a:p>
+            </p:txBody>
+          </p:sp>
+        </mc:Choice>
+        <mc:Fallback>
+          <p:sp>
+            <p:nvSpPr>
+              <p:cNvPr id="5" name="TextBox 4"/>
+              <p:cNvSpPr txBox="1">
+                <a:spLocks noRot="1" noChangeAspect="1" noMove="1" noResize="1" noEditPoints="1" noAdjustHandles="1" noChangeArrowheads="1" noChangeShapeType="1" noTextEdit="1"/>
+              </p:cNvSpPr>
+              <p:nvPr/>
+            </p:nvSpPr>
+            <p:spPr>
+              <a:xfrm>
+                <a:off x="1777284" y="2940675"/>
+                <a:ext cx="3040576" cy="335413"/>
+              </a:xfrm>
+              <a:prstGeom prst="rect">
+                <a:avLst/>
+              </a:prstGeom>
+              <a:blipFill rotWithShape="0">
+                <a:blip r:embed="rId3"/>
+                <a:stretch>
+                  <a:fillRect l="-201" b="-29091"/>
+                </a:stretch>
+              </a:blipFill>
+            </p:spPr>
+            <p:txBody>
+              <a:bodyPr/>
+              <a:lstStyle/>
+              <a:p>
+                <a:r>
+                  <a:rPr lang="ru-RU">
+                    <a:noFill/>
+                  </a:rPr>
+                  <a:t> </a:t>
+                </a:r>
+              </a:p>
+            </p:txBody>
+          </p:sp>
+        </mc:Fallback>
+      </mc:AlternateContent>
     </p:spTree>
     <p:extLst>
       <p:ext uri="{BB962C8B-B14F-4D97-AF65-F5344CB8AC3E}">
